--- a/akka-classic-cluster.pptx
+++ b/akka-classic-cluster.pptx
@@ -29,8 +29,9 @@
     <p:sldId id="284" r:id="rId22"/>
     <p:sldId id="261" r:id="rId23"/>
     <p:sldId id="262" r:id="rId24"/>
-    <p:sldId id="263" r:id="rId25"/>
-    <p:sldId id="264" r:id="rId26"/>
+    <p:sldId id="343" r:id="rId25"/>
+    <p:sldId id="263" r:id="rId26"/>
+    <p:sldId id="264" r:id="rId27"/>
   </p:sldIdLst>
   <p:sldSz cx="12192000" cy="6858000"/>
   <p:notesSz cx="6858000" cy="9144000"/>
@@ -3769,40 +3770,48 @@
           <a:p>
             <a:pPr algn="l"/>
             <a:r>
+              <a:rPr lang="en-US" altLang="zh-CN" b="1"/>
+              <a:t>Silde</a:t>
+            </a:r>
+            <a:r>
               <a:rPr lang="en-US" altLang="zh-CN"/>
-              <a:t>Silde: https://github.com/xiaozhiliaoo/my-slides/akka-classic-cluster.pptx</a:t>
+              <a:t>: https://github.com/xiaozhiliaoo/my-slides/blob/master/akka-classic-cluster.pptx</a:t>
             </a:r>
             <a:endParaRPr lang="en-US" altLang="zh-CN"/>
           </a:p>
           <a:p>
             <a:pPr algn="l"/>
             <a:r>
+              <a:rPr lang="en-US" altLang="zh-CN" b="1"/>
+              <a:t>Code</a:t>
+            </a:r>
+            <a:r>
               <a:rPr lang="en-US" altLang="zh-CN"/>
-              <a:t>Code: https://github.com/xiaozhiliaoo/akka-practice/tree/main/akka-classic-cluster-sample</a:t>
+              <a:t>: https://github.com/xiaozhiliaoo/akka-practice/tree/main/akka-classic-cluster-sample</a:t>
             </a:r>
             <a:endParaRPr lang="en-US" altLang="zh-CN"/>
           </a:p>
           <a:p>
             <a:pPr algn="l"/>
             <a:r>
-              <a:rPr lang="zh-CN" altLang="en-US">
+              <a:rPr lang="zh-CN" altLang="en-US" b="1">
                 <a:sym typeface="+mn-ea"/>
               </a:rPr>
               <a:t>李力</a:t>
             </a:r>
             <a:r>
-              <a:rPr lang="en-US" altLang="zh-CN"/>
+              <a:rPr lang="en-US" altLang="zh-CN" b="1"/>
               <a:t> </a:t>
             </a:r>
-            <a:endParaRPr lang="en-US" altLang="zh-CN"/>
+            <a:endParaRPr lang="en-US" altLang="zh-CN" b="1"/>
           </a:p>
           <a:p>
             <a:pPr algn="l"/>
             <a:r>
-              <a:rPr lang="en-US" altLang="zh-CN"/>
+              <a:rPr lang="en-US" altLang="zh-CN" b="1"/>
               <a:t>2022-04-13</a:t>
             </a:r>
-            <a:endParaRPr lang="en-US" altLang="zh-CN"/>
+            <a:endParaRPr lang="en-US" altLang="zh-CN" b="1"/>
           </a:p>
         </p:txBody>
       </p:sp>
@@ -4922,7 +4931,7 @@
         <p:spPr/>
         <p:txBody>
           <a:bodyPr>
-            <a:normAutofit fontScale="80000"/>
+            <a:normAutofit fontScale="50000"/>
           </a:bodyPr>
           <a:p>
             <a:r>
@@ -4952,17 +4961,217 @@
               </a:rPr>
               <a:t>LeastShardAllocationStrategy</a:t>
             </a:r>
+            <a:r>
+              <a:rPr lang="en-US" altLang="zh-CN" sz="1800">
+                <a:sym typeface="+mn-ea"/>
+              </a:rPr>
+              <a:t>(shard allocation,rebalance)</a:t>
+            </a:r>
+            <a:endParaRPr lang="en-US" altLang="zh-CN" sz="1800">
+              <a:sym typeface="+mn-ea"/>
+            </a:endParaRPr>
+          </a:p>
+          <a:p>
+            <a:pPr lvl="2"/>
+            <a:r>
+              <a:rPr lang="zh-CN" altLang="en-US" sz="1800" b="1">
+                <a:sym typeface="+mn-ea"/>
+              </a:rPr>
+              <a:t>旧：rebalance-threshold</a:t>
+            </a:r>
+            <a:r>
+              <a:rPr lang="en-US" altLang="zh-CN" sz="1800" b="1">
+                <a:sym typeface="+mn-ea"/>
+              </a:rPr>
+              <a:t>=1</a:t>
+            </a:r>
+            <a:r>
+              <a:rPr lang="zh-CN" altLang="en-US" sz="1800" b="1">
+                <a:sym typeface="+mn-ea"/>
+              </a:rPr>
+              <a:t>，max-simultaneous-rebalance</a:t>
+            </a:r>
+            <a:r>
+              <a:rPr lang="en-US" altLang="zh-CN" sz="1800" b="1">
+                <a:sym typeface="+mn-ea"/>
+              </a:rPr>
+              <a:t>=3</a:t>
+            </a:r>
+            <a:endParaRPr lang="zh-CN" altLang="en-US" sz="1800" b="1">
+              <a:sym typeface="+mn-ea"/>
+            </a:endParaRPr>
+          </a:p>
+          <a:p>
+            <a:pPr lvl="2"/>
+            <a:r>
+              <a:rPr lang="zh-CN" altLang="en-US" sz="1800" b="1">
+                <a:sym typeface="+mn-ea"/>
+              </a:rPr>
+              <a:t>新：rebalance-absolute-limit</a:t>
+            </a:r>
+            <a:r>
+              <a:rPr lang="en-US" altLang="zh-CN" sz="1800" b="1">
+                <a:sym typeface="+mn-ea"/>
+              </a:rPr>
+              <a:t>=0</a:t>
+            </a:r>
+            <a:r>
+              <a:rPr lang="zh-CN" altLang="en-US" sz="1800" b="1">
+                <a:sym typeface="+mn-ea"/>
+              </a:rPr>
+              <a:t>，rebalance-relative-limit</a:t>
+            </a:r>
+            <a:r>
+              <a:rPr lang="en-US" altLang="zh-CN" sz="1800" b="1">
+                <a:sym typeface="+mn-ea"/>
+              </a:rPr>
+              <a:t>=0.1</a:t>
+            </a:r>
+            <a:endParaRPr lang="zh-CN" altLang="en-US" sz="1800" b="1">
+              <a:sym typeface="+mn-ea"/>
+            </a:endParaRPr>
+          </a:p>
+          <a:p>
+            <a:pPr lvl="1"/>
+            <a:r>
+              <a:rPr lang="en-US" altLang="zh-CN" sz="1800">
+                <a:sym typeface="+mn-ea"/>
+              </a:rPr>
+              <a:t>Singleton</a:t>
+            </a:r>
+            <a:endParaRPr lang="en-US" altLang="zh-CN" sz="1800">
+              <a:sym typeface="+mn-ea"/>
+            </a:endParaRPr>
+          </a:p>
+          <a:p>
+            <a:pPr lvl="1"/>
+            <a:r>
+              <a:rPr lang="zh-CN" altLang="en-US" sz="1800"/>
+              <a:t>默认持久化：DDataShardCoordinator</a:t>
+            </a:r>
+            <a:r>
+              <a:rPr lang="en-US" altLang="zh-CN" sz="1800"/>
+              <a:t> </a:t>
+            </a:r>
+            <a:r>
+              <a:rPr lang="zh-CN" altLang="en-US" sz="1800"/>
+              <a:t>和</a:t>
+            </a:r>
+            <a:r>
+              <a:rPr lang="en-US" altLang="zh-CN" sz="1800"/>
+              <a:t> </a:t>
+            </a:r>
+            <a:r>
+              <a:rPr lang="zh-CN" altLang="en-US" sz="1800"/>
+              <a:t>PersistentShardCoordinator</a:t>
+            </a:r>
+            <a:r>
+              <a:rPr lang="zh-CN" altLang="en-US" sz="1800">
+                <a:sym typeface="+mn-ea"/>
+              </a:rPr>
+              <a:t>（deprecated</a:t>
+            </a:r>
+            <a:r>
+              <a:rPr lang="en-US" altLang="zh-CN" sz="1800">
+                <a:sym typeface="+mn-ea"/>
+              </a:rPr>
+              <a:t> </a:t>
+            </a:r>
+            <a:r>
+              <a:rPr lang="zh-CN" altLang="en-US" sz="1800">
+                <a:sym typeface="+mn-ea"/>
+              </a:rPr>
+              <a:t>2.6.0）</a:t>
+            </a:r>
+            <a:endParaRPr lang="zh-CN" altLang="en-US" sz="1800"/>
+          </a:p>
+          <a:p>
+            <a:r>
+              <a:rPr lang="zh-CN" altLang="en-US" sz="1800">
+                <a:sym typeface="+mn-ea"/>
+              </a:rPr>
+              <a:t>ShardRegion</a:t>
+            </a:r>
+            <a:endParaRPr lang="zh-CN" altLang="en-US" sz="1800"/>
+          </a:p>
+          <a:p>
+            <a:pPr lvl="1"/>
+            <a:r>
+              <a:rPr lang="zh-CN" altLang="en-US" sz="1800">
+                <a:sym typeface="+mn-ea"/>
+              </a:rPr>
+              <a:t>MessageExtractor</a:t>
+            </a:r>
             <a:endParaRPr lang="zh-CN" altLang="en-US" sz="1800">
               <a:sym typeface="+mn-ea"/>
             </a:endParaRPr>
           </a:p>
           <a:p>
-            <a:pPr lvl="1"/>
+            <a:pPr lvl="2"/>
+            <a:r>
+              <a:rPr lang="zh-CN" altLang="en-US" sz="1800">
+                <a:sym typeface="+mn-ea"/>
+              </a:rPr>
+              <a:t>entityId</a:t>
+            </a:r>
             <a:r>
               <a:rPr lang="en-US" altLang="zh-CN" sz="1800">
                 <a:sym typeface="+mn-ea"/>
               </a:rPr>
-              <a:t>Singleton</a:t>
+              <a:t>(msg </a:t>
+            </a:r>
+            <a:r>
+              <a:rPr lang="zh-CN" altLang="en-US" sz="1800">
+                <a:sym typeface="+mn-ea"/>
+              </a:rPr>
+              <a:t>找到</a:t>
+            </a:r>
+            <a:r>
+              <a:rPr lang="en-US" altLang="zh-CN" sz="1800">
+                <a:sym typeface="+mn-ea"/>
+              </a:rPr>
+              <a:t>Actor),shardId(msg </a:t>
+            </a:r>
+            <a:r>
+              <a:rPr lang="zh-CN" altLang="en-US" sz="1800">
+                <a:sym typeface="+mn-ea"/>
+              </a:rPr>
+              <a:t>找到分片</a:t>
+            </a:r>
+            <a:r>
+              <a:rPr lang="en-US" altLang="zh-CN" sz="1800">
+                <a:sym typeface="+mn-ea"/>
+              </a:rPr>
+              <a:t>)</a:t>
+            </a:r>
+            <a:endParaRPr lang="en-US" altLang="zh-CN" sz="1800"/>
+          </a:p>
+          <a:p>
+            <a:pPr lvl="2"/>
+            <a:r>
+              <a:rPr lang="zh-CN" altLang="en-US" sz="1800">
+                <a:sym typeface="+mn-ea"/>
+              </a:rPr>
+              <a:t>HashCodeMessageExtractor</a:t>
+            </a:r>
+            <a:endParaRPr lang="zh-CN" altLang="en-US" sz="1800"/>
+          </a:p>
+          <a:p>
+            <a:pPr lvl="2"/>
+            <a:endParaRPr lang="zh-CN" altLang="en-US" sz="1800"/>
+          </a:p>
+          <a:p>
+            <a:r>
+              <a:rPr lang="en-US" altLang="zh-CN" sz="1800">
+                <a:sym typeface="+mn-ea"/>
+              </a:rPr>
+              <a:t>Reb</a:t>
+            </a:r>
+            <a:r>
+              <a:rPr lang="en-US" altLang="zh-CN" sz="1800">
+                <a:sym typeface="+mn-ea"/>
+              </a:rPr>
+              <a:t>alance</a:t>
             </a:r>
             <a:endParaRPr lang="en-US" altLang="zh-CN" sz="1800">
               <a:sym typeface="+mn-ea"/>
@@ -4971,134 +5180,66 @@
           <a:p>
             <a:pPr lvl="1"/>
             <a:r>
-              <a:rPr lang="zh-CN" altLang="en-US" sz="1800"/>
-              <a:t>默认持久化：DDataShardCoordinator</a:t>
-            </a:r>
-            <a:r>
-              <a:rPr lang="en-US" altLang="zh-CN" sz="1800"/>
-              <a:t> </a:t>
-            </a:r>
-            <a:r>
-              <a:rPr lang="zh-CN" altLang="en-US" sz="1800"/>
-              <a:t>和</a:t>
-            </a:r>
-            <a:r>
-              <a:rPr lang="en-US" altLang="zh-CN" sz="1800"/>
-              <a:t> </a:t>
-            </a:r>
-            <a:r>
-              <a:rPr lang="zh-CN" altLang="en-US" sz="1800"/>
-              <a:t>PersistentShardCoordinator</a:t>
-            </a:r>
-            <a:r>
-              <a:rPr lang="zh-CN" altLang="en-US" sz="1800">
-                <a:sym typeface="+mn-ea"/>
-              </a:rPr>
-              <a:t>（deprecated</a:t>
-            </a:r>
-            <a:r>
-              <a:rPr lang="en-US" altLang="zh-CN" sz="1800">
-                <a:sym typeface="+mn-ea"/>
-              </a:rPr>
-              <a:t> </a:t>
-            </a:r>
-            <a:r>
-              <a:rPr lang="zh-CN" altLang="en-US" sz="1800">
-                <a:sym typeface="+mn-ea"/>
-              </a:rPr>
-              <a:t>2.6.0）</a:t>
-            </a:r>
-            <a:endParaRPr lang="zh-CN" altLang="en-US" sz="1800"/>
-          </a:p>
-          <a:p>
-            <a:r>
-              <a:rPr lang="zh-CN" altLang="en-US" sz="1800">
-                <a:sym typeface="+mn-ea"/>
-              </a:rPr>
-              <a:t>ShardRegion</a:t>
-            </a:r>
-            <a:endParaRPr lang="zh-CN" altLang="en-US" sz="1800"/>
-          </a:p>
-          <a:p>
-            <a:pPr lvl="1"/>
-            <a:r>
-              <a:rPr lang="zh-CN" altLang="en-US" sz="1800">
-                <a:sym typeface="+mn-ea"/>
-              </a:rPr>
-              <a:t>MessageExtractor</a:t>
-            </a:r>
-            <a:endParaRPr lang="zh-CN" altLang="en-US" sz="1800">
+              <a:rPr lang="zh-CN" altLang="en-US" sz="1600">
+                <a:sym typeface="+mn-ea"/>
+              </a:rPr>
+              <a:t>新增</a:t>
+            </a:r>
+            <a:r>
+              <a:rPr lang="en-US" altLang="zh-CN" sz="1600">
+                <a:sym typeface="+mn-ea"/>
+              </a:rPr>
+              <a:t>/</a:t>
+            </a:r>
+            <a:r>
+              <a:rPr lang="zh-CN" altLang="en-US" sz="1600">
+                <a:sym typeface="+mn-ea"/>
+              </a:rPr>
+              <a:t>删除</a:t>
+            </a:r>
+            <a:r>
+              <a:rPr lang="en-US" altLang="zh-CN" sz="1600">
+                <a:sym typeface="+mn-ea"/>
+              </a:rPr>
+              <a:t>/</a:t>
+            </a:r>
+            <a:r>
+              <a:rPr lang="zh-CN" altLang="en-US" sz="1600">
+                <a:sym typeface="+mn-ea"/>
+              </a:rPr>
+              <a:t>故障情况</a:t>
+            </a:r>
+            <a:endParaRPr lang="en-US" altLang="zh-CN" sz="1600">
               <a:sym typeface="+mn-ea"/>
             </a:endParaRPr>
           </a:p>
           <a:p>
-            <a:pPr lvl="2"/>
-            <a:r>
-              <a:rPr lang="zh-CN" altLang="en-US" sz="1800">
-                <a:sym typeface="+mn-ea"/>
-              </a:rPr>
-              <a:t>entityId</a:t>
-            </a:r>
-            <a:r>
-              <a:rPr lang="en-US" altLang="zh-CN" sz="1800">
-                <a:sym typeface="+mn-ea"/>
-              </a:rPr>
-              <a:t>(msg </a:t>
-            </a:r>
-            <a:r>
-              <a:rPr lang="zh-CN" altLang="en-US" sz="1800">
-                <a:sym typeface="+mn-ea"/>
-              </a:rPr>
-              <a:t>找到</a:t>
-            </a:r>
-            <a:r>
-              <a:rPr lang="en-US" altLang="zh-CN" sz="1800">
-                <a:sym typeface="+mn-ea"/>
-              </a:rPr>
-              <a:t>Actor),shardId(msg </a:t>
-            </a:r>
-            <a:r>
-              <a:rPr lang="zh-CN" altLang="en-US" sz="1800">
-                <a:sym typeface="+mn-ea"/>
-              </a:rPr>
-              <a:t>找到分片</a:t>
-            </a:r>
-            <a:r>
-              <a:rPr lang="en-US" altLang="zh-CN" sz="1800">
-                <a:sym typeface="+mn-ea"/>
-              </a:rPr>
-              <a:t>)</a:t>
-            </a:r>
-            <a:endParaRPr lang="en-US" altLang="zh-CN" sz="1800"/>
-          </a:p>
-          <a:p>
-            <a:pPr lvl="2"/>
-            <a:r>
-              <a:rPr lang="zh-CN" altLang="en-US" sz="1800">
-                <a:sym typeface="+mn-ea"/>
-              </a:rPr>
-              <a:t>HashCodeMessageExtractor</a:t>
-            </a:r>
-            <a:endParaRPr lang="zh-CN" altLang="en-US" sz="1800"/>
-          </a:p>
-          <a:p>
-            <a:pPr lvl="2"/>
-            <a:endParaRPr lang="zh-CN" altLang="en-US" sz="1800"/>
-          </a:p>
-          <a:p>
-            <a:r>
-              <a:rPr lang="en-US" altLang="zh-CN" sz="1800">
-                <a:sym typeface="+mn-ea"/>
-              </a:rPr>
-              <a:t>Reb</a:t>
-            </a:r>
-            <a:r>
-              <a:rPr lang="en-US" altLang="zh-CN" sz="1800">
-                <a:sym typeface="+mn-ea"/>
-              </a:rPr>
-              <a:t>alance</a:t>
-            </a:r>
-            <a:endParaRPr lang="en-US" altLang="zh-CN" sz="1800">
+            <a:pPr lvl="1"/>
+            <a:r>
+              <a:rPr lang="zh-CN" altLang="en-US" sz="1600">
+                <a:sym typeface="+mn-ea"/>
+              </a:rPr>
+              <a:t>迁移</a:t>
+            </a:r>
+            <a:r>
+              <a:rPr lang="en-US" altLang="zh-CN" sz="1600">
+                <a:sym typeface="+mn-ea"/>
+              </a:rPr>
+              <a:t>Entity</a:t>
+            </a:r>
+            <a:r>
+              <a:rPr lang="zh-CN" altLang="en-US" sz="1600">
+                <a:sym typeface="+mn-ea"/>
+              </a:rPr>
+              <a:t>到新的节点</a:t>
+            </a:r>
+            <a:endParaRPr lang="zh-CN" altLang="en-US" sz="1600">
+              <a:sym typeface="+mn-ea"/>
+            </a:endParaRPr>
+          </a:p>
+          <a:p>
+            <a:pPr lvl="1"/>
+            <a:endParaRPr lang="en-US" altLang="zh-CN" sz="1600">
               <a:sym typeface="+mn-ea"/>
             </a:endParaRPr>
           </a:p>
@@ -5201,12 +5342,48 @@
         <p:spPr/>
         <p:txBody>
           <a:bodyPr>
-            <a:normAutofit/>
+            <a:normAutofit fontScale="90000"/>
           </a:bodyPr>
           <a:p>
             <a:r>
               <a:rPr lang="zh-CN" altLang="en-US"/>
+              <a:t>脑裂</a:t>
+            </a:r>
+            <a:endParaRPr lang="zh-CN" altLang="en-US"/>
+          </a:p>
+          <a:p>
+            <a:pPr lvl="1"/>
+            <a:r>
+              <a:rPr lang="zh-CN" altLang="en-US" sz="1600"/>
               <a:t>网络分区</a:t>
+            </a:r>
+            <a:endParaRPr lang="zh-CN" altLang="en-US" sz="1600"/>
+          </a:p>
+          <a:p>
+            <a:pPr lvl="1"/>
+            <a:r>
+              <a:rPr lang="zh-CN" altLang="en-US" sz="1600"/>
+              <a:t>机器崩溃</a:t>
+            </a:r>
+            <a:endParaRPr lang="zh-CN" altLang="en-US" sz="1600"/>
+          </a:p>
+          <a:p>
+            <a:pPr lvl="1"/>
+            <a:r>
+              <a:rPr lang="zh-CN" altLang="en-US" sz="1600"/>
+              <a:t>进程长时间没</a:t>
+            </a:r>
+            <a:r>
+              <a:rPr lang="zh-CN" altLang="en-US" sz="1600"/>
+              <a:t>响应（过载、CPU 不足或长时间的垃圾收集暂停）</a:t>
+            </a:r>
+            <a:endParaRPr lang="zh-CN" altLang="en-US" sz="1600"/>
+          </a:p>
+          <a:p>
+            <a:pPr lvl="0"/>
+            <a:r>
+              <a:rPr lang="zh-CN" altLang="en-US" sz="1800"/>
+              <a:t>策略</a:t>
             </a:r>
             <a:endParaRPr lang="zh-CN" altLang="en-US"/>
           </a:p>
@@ -5260,17 +5437,6 @@
           <a:p>
             <a:r>
               <a:rPr lang="en-US" altLang="zh-CN"/>
-              <a:t>Hazelcast</a:t>
-            </a:r>
-            <a:r>
-              <a:rPr lang="zh-CN" altLang="en-US"/>
-              <a:t>：</a:t>
-            </a:r>
-            <a:endParaRPr lang="zh-CN" altLang="en-US"/>
-          </a:p>
-          <a:p>
-            <a:r>
-              <a:rPr lang="en-US" altLang="zh-CN"/>
               <a:t>RabbitMq</a:t>
             </a:r>
             <a:r>
@@ -5280,14 +5446,6 @@
             <a:endParaRPr lang="zh-CN" altLang="en-US"/>
           </a:p>
           <a:p>
-            <a:r>
-              <a:rPr lang="en-US" altLang="zh-CN"/>
-              <a:t>ES</a:t>
-            </a:r>
-            <a:r>
-              <a:rPr lang="zh-CN" altLang="en-US"/>
-              <a:t>：Quorum-based decision making</a:t>
-            </a:r>
             <a:endParaRPr lang="zh-CN" altLang="en-US"/>
           </a:p>
         </p:txBody>
@@ -5890,7 +6048,22 @@
           <a:p>
             <a:r>
               <a:rPr lang="zh-CN" altLang="en-US"/>
-              <a:t>集群技术其他选择</a:t>
+              <a:t>集群技术其它</a:t>
+            </a:r>
+            <a:r>
+              <a:rPr lang="zh-CN" altLang="en-US"/>
+              <a:t>选择</a:t>
+            </a:r>
+            <a:endParaRPr lang="zh-CN" altLang="en-US"/>
+          </a:p>
+          <a:p>
+            <a:r>
+              <a:rPr lang="en-US" altLang="zh-CN"/>
+              <a:t>Akka</a:t>
+            </a:r>
+            <a:r>
+              <a:rPr lang="zh-CN" altLang="en-US"/>
+              <a:t>与分布式系统泛型</a:t>
             </a:r>
             <a:endParaRPr lang="en-US" altLang="zh-CN"/>
           </a:p>
@@ -6278,107 +6451,176 @@
         </p:nvSpPr>
         <p:spPr/>
         <p:txBody>
+          <a:bodyPr/>
+          <a:p>
+            <a:r>
+              <a:rPr lang="en-US" altLang="zh-CN">
+                <a:sym typeface="+mn-ea"/>
+              </a:rPr>
+              <a:t>Akka Cluster</a:t>
+            </a:r>
+            <a:r>
+              <a:rPr lang="zh-CN" altLang="en-US">
+                <a:sym typeface="+mn-ea"/>
+              </a:rPr>
+              <a:t>与分布式系统泛型</a:t>
+            </a:r>
+            <a:endParaRPr lang="zh-CN" altLang="en-US"/>
+          </a:p>
+        </p:txBody>
+      </p:sp>
+      <p:sp>
+        <p:nvSpPr>
+          <p:cNvPr id="3" name="内容占位符 2"/>
+          <p:cNvSpPr>
+            <a:spLocks noGrp="1"/>
+          </p:cNvSpPr>
+          <p:nvPr>
+            <p:ph idx="1"/>
+          </p:nvPr>
+        </p:nvSpPr>
+        <p:spPr/>
+        <p:txBody>
           <a:bodyPr>
-            <a:normAutofit/>
+            <a:normAutofit lnSpcReduction="10000"/>
           </a:bodyPr>
           <a:p>
+            <a:pPr marL="0" indent="0">
+              <a:buNone/>
+            </a:pPr>
+            <a:endParaRPr lang="zh-CN" altLang="en-US"/>
+          </a:p>
+          <a:p>
+            <a:r>
+              <a:rPr lang="zh-CN" altLang="en-US"/>
+              <a:t>体系结构：非</a:t>
+            </a:r>
+            <a:r>
+              <a:rPr lang="zh-CN" altLang="en-US"/>
+              <a:t>集中式</a:t>
+            </a:r>
+            <a:endParaRPr lang="zh-CN" altLang="en-US"/>
+          </a:p>
+          <a:p>
+            <a:r>
+              <a:rPr lang="zh-CN" altLang="en-US"/>
+              <a:t>进程：</a:t>
+            </a:r>
+            <a:r>
+              <a:rPr lang="en-US" altLang="zh-CN"/>
+              <a:t>Actor</a:t>
+            </a:r>
+            <a:r>
+              <a:rPr lang="zh-CN" altLang="en-US"/>
+              <a:t>与</a:t>
+            </a:r>
+            <a:r>
+              <a:rPr lang="zh-CN" altLang="en-US"/>
+              <a:t>线程池</a:t>
+            </a:r>
+            <a:endParaRPr lang="zh-CN" altLang="en-US"/>
+          </a:p>
+          <a:p>
+            <a:r>
+              <a:rPr lang="zh-CN" altLang="en-US"/>
+              <a:t>通信：消息，多播</a:t>
+            </a:r>
+            <a:r>
+              <a:rPr lang="en-US" altLang="zh-CN"/>
+              <a:t>(Gossip)</a:t>
+            </a:r>
+            <a:endParaRPr lang="zh-CN" altLang="en-US"/>
+          </a:p>
+          <a:p>
+            <a:r>
+              <a:rPr lang="zh-CN" altLang="en-US"/>
+              <a:t>命名：结构化命名</a:t>
+            </a:r>
+            <a:r>
+              <a:rPr lang="zh-CN" altLang="en-US"/>
+              <a:t>的树状目录	</a:t>
+            </a:r>
+            <a:endParaRPr lang="zh-CN" altLang="en-US"/>
+          </a:p>
+          <a:p>
+            <a:r>
+              <a:rPr lang="zh-CN" altLang="en-US"/>
+              <a:t>同步：向量时钟，</a:t>
+            </a:r>
             <a:r>
               <a:rPr lang="en-US" altLang="zh-CN">
                 <a:sym typeface="+mn-ea"/>
               </a:rPr>
-              <a:t>Akka与应用架构 </a:t>
-            </a:r>
-            <a:endParaRPr lang="zh-CN" altLang="en-US"/>
-          </a:p>
-        </p:txBody>
-      </p:sp>
-      <p:sp>
-        <p:nvSpPr>
-          <p:cNvPr id="3" name="内容占位符 2"/>
-          <p:cNvSpPr>
-            <a:spLocks noGrp="1"/>
-          </p:cNvSpPr>
-          <p:nvPr>
-            <p:ph idx="1"/>
-          </p:nvPr>
-        </p:nvSpPr>
-        <p:spPr/>
-        <p:txBody>
-          <a:bodyPr/>
-          <a:p>
-            <a:r>
-              <a:rPr lang="zh-CN" altLang="en-US"/>
-              <a:t>反应式架构</a:t>
+              <a:t>Gossip</a:t>
+            </a:r>
+            <a:endParaRPr lang="zh-CN" altLang="en-US"/>
+          </a:p>
+          <a:p>
+            <a:r>
+              <a:rPr lang="zh-CN" altLang="en-US"/>
+              <a:t>一致性和复制：</a:t>
             </a:r>
             <a:r>
               <a:rPr lang="en-US" altLang="zh-CN"/>
-              <a:t>/</a:t>
-            </a:r>
-            <a:r>
-              <a:rPr lang="zh-CN" altLang="en-US"/>
-              <a:t>分布式领域驱动</a:t>
-            </a:r>
-            <a:r>
-              <a:rPr lang="zh-CN" altLang="en-US"/>
-              <a:t>设计</a:t>
-            </a:r>
-            <a:endParaRPr lang="zh-CN" altLang="en-US"/>
-          </a:p>
-          <a:p>
-            <a:endParaRPr lang="zh-CN" altLang="en-US"/>
-          </a:p>
-          <a:p>
-            <a:r>
-              <a:rPr lang="zh-CN" altLang="en-US"/>
-              <a:t>Fast Data Architectures for Streaming Applications</a:t>
-            </a:r>
-            <a:endParaRPr lang="zh-CN" altLang="en-US"/>
-          </a:p>
-          <a:p>
-            <a:endParaRPr lang="zh-CN" altLang="en-US"/>
-          </a:p>
-          <a:p>
-            <a:r>
-              <a:rPr lang="zh-CN" altLang="en-US"/>
-              <a:t>LAMP VS SMACK</a:t>
-            </a:r>
-            <a:endParaRPr lang="zh-CN" altLang="en-US"/>
-          </a:p>
-          <a:p>
-            <a:endParaRPr lang="zh-CN" altLang="en-US"/>
-          </a:p>
-          <a:p>
-            <a:r>
-              <a:rPr lang="zh-CN" altLang="en-US"/>
-              <a:t>Akka Play Lagom</a:t>
+              <a:t>DistributedData</a:t>
+            </a:r>
+            <a:r>
+              <a:rPr lang="zh-CN" altLang="en-US"/>
+              <a:t>一致性可调，</a:t>
             </a:r>
             <a:r>
               <a:rPr lang="en-US" altLang="zh-CN"/>
-              <a:t> Spray</a:t>
-            </a:r>
-            <a:r>
-              <a:rPr lang="zh-CN" altLang="en-US"/>
-              <a:t>全家桶</a:t>
-            </a:r>
-            <a:endParaRPr lang="zh-CN" altLang="en-US"/>
-          </a:p>
-          <a:p>
-            <a:endParaRPr lang="zh-CN" altLang="en-US"/>
-          </a:p>
-          <a:p>
-            <a:r>
-              <a:rPr lang="zh-CN" altLang="en-US"/>
-              <a:t>流</a:t>
-            </a:r>
-            <a:r>
-              <a:rPr lang="zh-CN" altLang="en-US"/>
-              <a:t>和表：一个硬币的两面</a:t>
+              <a:t>Cluster</a:t>
+            </a:r>
+            <a:r>
+              <a:rPr lang="zh-CN" altLang="en-US"/>
+              <a:t>最终一致性。复制：</a:t>
             </a:r>
             <a:r>
               <a:rPr lang="en-US" altLang="zh-CN"/>
-              <a:t>.</a:t>
+              <a:t>Leaderless</a:t>
             </a:r>
             <a:endParaRPr lang="en-US" altLang="zh-CN"/>
+          </a:p>
+          <a:p>
+            <a:r>
+              <a:rPr lang="zh-CN" altLang="en-US"/>
+              <a:t>容错性：故障检测，</a:t>
+            </a:r>
+            <a:r>
+              <a:rPr lang="en-US" altLang="zh-CN"/>
+              <a:t>Let it crash</a:t>
+            </a:r>
+            <a:r>
+              <a:rPr lang="zh-CN" altLang="en-US"/>
+              <a:t>，父子</a:t>
+            </a:r>
+            <a:r>
+              <a:rPr lang="zh-CN" altLang="en-US"/>
+              <a:t>级监督</a:t>
+            </a:r>
+            <a:r>
+              <a:rPr lang="zh-CN" altLang="en-US"/>
+              <a:t>机制</a:t>
+            </a:r>
+            <a:endParaRPr lang="zh-CN" altLang="en-US"/>
+          </a:p>
+          <a:p>
+            <a:r>
+              <a:rPr lang="zh-CN" altLang="en-US"/>
+              <a:t>安全：</a:t>
+            </a:r>
+            <a:r>
+              <a:rPr lang="zh-CN" altLang="en-US"/>
+              <a:t>无	</a:t>
+            </a:r>
+            <a:endParaRPr lang="zh-CN" altLang="en-US"/>
+          </a:p>
+          <a:p>
+            <a:pPr marL="0" indent="0">
+              <a:buNone/>
+            </a:pPr>
+            <a:endParaRPr lang="zh-CN" altLang="en-US"/>
           </a:p>
         </p:txBody>
       </p:sp>
@@ -6415,6 +6657,139 @@
         </p:nvSpPr>
         <p:spPr/>
         <p:txBody>
+          <a:bodyPr>
+            <a:normAutofit/>
+          </a:bodyPr>
+          <a:p>
+            <a:r>
+              <a:rPr lang="en-US" altLang="zh-CN">
+                <a:sym typeface="+mn-ea"/>
+              </a:rPr>
+              <a:t>Akka与应用架构 </a:t>
+            </a:r>
+            <a:endParaRPr lang="zh-CN" altLang="en-US"/>
+          </a:p>
+        </p:txBody>
+      </p:sp>
+      <p:sp>
+        <p:nvSpPr>
+          <p:cNvPr id="3" name="内容占位符 2"/>
+          <p:cNvSpPr>
+            <a:spLocks noGrp="1"/>
+          </p:cNvSpPr>
+          <p:nvPr>
+            <p:ph idx="1"/>
+          </p:nvPr>
+        </p:nvSpPr>
+        <p:spPr/>
+        <p:txBody>
+          <a:bodyPr/>
+          <a:p>
+            <a:r>
+              <a:rPr lang="zh-CN" altLang="en-US"/>
+              <a:t>反应式架构</a:t>
+            </a:r>
+            <a:r>
+              <a:rPr lang="en-US" altLang="zh-CN"/>
+              <a:t>/</a:t>
+            </a:r>
+            <a:r>
+              <a:rPr lang="zh-CN" altLang="en-US"/>
+              <a:t>分布式领域驱动</a:t>
+            </a:r>
+            <a:r>
+              <a:rPr lang="zh-CN" altLang="en-US"/>
+              <a:t>设计</a:t>
+            </a:r>
+            <a:endParaRPr lang="zh-CN" altLang="en-US"/>
+          </a:p>
+          <a:p>
+            <a:endParaRPr lang="zh-CN" altLang="en-US"/>
+          </a:p>
+          <a:p>
+            <a:r>
+              <a:rPr lang="zh-CN" altLang="en-US"/>
+              <a:t>Fast Data Architectures for Streaming Applications</a:t>
+            </a:r>
+            <a:endParaRPr lang="zh-CN" altLang="en-US"/>
+          </a:p>
+          <a:p>
+            <a:endParaRPr lang="zh-CN" altLang="en-US"/>
+          </a:p>
+          <a:p>
+            <a:r>
+              <a:rPr lang="zh-CN" altLang="en-US"/>
+              <a:t>LAMP VS SMACK</a:t>
+            </a:r>
+            <a:endParaRPr lang="zh-CN" altLang="en-US"/>
+          </a:p>
+          <a:p>
+            <a:endParaRPr lang="zh-CN" altLang="en-US"/>
+          </a:p>
+          <a:p>
+            <a:r>
+              <a:rPr lang="zh-CN" altLang="en-US"/>
+              <a:t>Akka Play Lagom</a:t>
+            </a:r>
+            <a:r>
+              <a:rPr lang="en-US" altLang="zh-CN"/>
+              <a:t> Spray</a:t>
+            </a:r>
+            <a:r>
+              <a:rPr lang="zh-CN" altLang="en-US"/>
+              <a:t>全家桶</a:t>
+            </a:r>
+            <a:endParaRPr lang="zh-CN" altLang="en-US"/>
+          </a:p>
+          <a:p>
+            <a:endParaRPr lang="zh-CN" altLang="en-US"/>
+          </a:p>
+          <a:p>
+            <a:r>
+              <a:rPr lang="zh-CN" altLang="en-US"/>
+              <a:t>流和表的融合</a:t>
+            </a:r>
+            <a:r>
+              <a:rPr lang="en-US" altLang="zh-CN"/>
+              <a:t>.</a:t>
+            </a:r>
+            <a:endParaRPr lang="en-US" altLang="zh-CN"/>
+          </a:p>
+        </p:txBody>
+      </p:sp>
+    </p:spTree>
+    <p:custDataLst>
+      <p:tags r:id="rId1"/>
+    </p:custDataLst>
+  </p:cSld>
+  <p:clrMapOvr>
+    <a:masterClrMapping/>
+  </p:clrMapOvr>
+</p:sld>
+</file>
+
+<file path=ppt/slides/slide24.xml><?xml version="1.0" encoding="utf-8"?>
+<p:sld xmlns:a="http://schemas.openxmlformats.org/drawingml/2006/main" xmlns:r="http://schemas.openxmlformats.org/officeDocument/2006/relationships" xmlns:p="http://schemas.openxmlformats.org/presentationml/2006/main">
+  <p:cSld>
+    <p:spTree>
+      <p:nvGrpSpPr>
+        <p:cNvPr id="1" name=""/>
+        <p:cNvGrpSpPr/>
+        <p:nvPr/>
+      </p:nvGrpSpPr>
+      <p:grpSpPr/>
+      <p:sp>
+        <p:nvSpPr>
+          <p:cNvPr id="2" name="标题 1"/>
+          <p:cNvSpPr>
+            <a:spLocks noGrp="1"/>
+          </p:cNvSpPr>
+          <p:nvPr>
+            <p:ph type="title"/>
+          </p:nvPr>
+        </p:nvSpPr>
+        <p:spPr/>
+        <p:txBody>
           <a:bodyPr/>
           <a:p>
             <a:r>
@@ -6453,6 +6828,21 @@
               </a:rPr>
               <a:t>https://developer.lightbend.com/start/</a:t>
             </a:r>
+            <a:endParaRPr lang="en-US" altLang="zh-CN">
+              <a:hlinkClick r:id="rId1" action="ppaction://hlinkfile"/>
+            </a:endParaRPr>
+          </a:p>
+          <a:p>
+            <a:endParaRPr lang="zh-CN" altLang="en-US">
+              <a:hlinkClick r:id="rId1" action="ppaction://hlinkfile"/>
+            </a:endParaRPr>
+          </a:p>
+          <a:p>
+            <a:endParaRPr lang="en-US" altLang="zh-CN">
+              <a:hlinkClick r:id="rId1" action="ppaction://hlinkfile"/>
+            </a:endParaRPr>
+          </a:p>
+          <a:p>
             <a:endParaRPr lang="en-US" altLang="zh-CN">
               <a:hlinkClick r:id="rId1" action="ppaction://hlinkfile"/>
             </a:endParaRPr>
@@ -6704,7 +7094,56 @@
             </a:endParaRPr>
           </a:p>
           <a:p>
+            <a:r>
+              <a:rPr lang="zh-CN" altLang="en-US"/>
+              <a:t>《</a:t>
+            </a:r>
+            <a:r>
+              <a:rPr lang="en-US" altLang="zh-CN"/>
+              <a:t>Akka</a:t>
+            </a:r>
+            <a:r>
+              <a:rPr lang="zh-CN" altLang="en-US"/>
+              <a:t>实战》</a:t>
+            </a:r>
+            <a:r>
+              <a:rPr lang="en-US" altLang="zh-CN"/>
+              <a:t> </a:t>
+            </a:r>
             <a:endParaRPr lang="en-US" altLang="zh-CN"/>
+          </a:p>
+          <a:p>
+            <a:r>
+              <a:rPr lang="zh-CN" altLang="en-US"/>
+              <a:t>《反应式应用</a:t>
+            </a:r>
+            <a:r>
+              <a:rPr lang="zh-CN" altLang="en-US"/>
+              <a:t>开发》</a:t>
+            </a:r>
+            <a:endParaRPr lang="zh-CN" altLang="en-US"/>
+          </a:p>
+          <a:p>
+            <a:r>
+              <a:rPr lang="zh-CN" altLang="en-US"/>
+              <a:t>《</a:t>
+            </a:r>
+            <a:r>
+              <a:rPr lang="en-US" altLang="zh-CN"/>
+              <a:t>Akka</a:t>
+            </a:r>
+            <a:r>
+              <a:rPr lang="zh-CN" altLang="en-US"/>
+              <a:t>应用</a:t>
+            </a:r>
+            <a:r>
+              <a:rPr lang="zh-CN" altLang="en-US"/>
+              <a:t>模式》</a:t>
+            </a:r>
+            <a:endParaRPr lang="zh-CN" altLang="en-US"/>
+          </a:p>
+          <a:p>
+            <a:endParaRPr lang="zh-CN" altLang="en-US"/>
           </a:p>
         </p:txBody>
       </p:sp>
@@ -6815,7 +7254,7 @@
             <a:pPr lvl="1"/>
             <a:r>
               <a:rPr lang="zh-CN" altLang="en-US" sz="3200"/>
-              <a:t>微服务</a:t>
+              <a:t>普通微服务</a:t>
             </a:r>
             <a:r>
               <a:rPr lang="en-US" altLang="zh-CN" sz="3200"/>
@@ -8852,6 +9291,14 @@
 </file>
 
 <file path=ppt/tags/tag87.xml><?xml version="1.0" encoding="utf-8"?>
+<p:tagLst xmlns:p="http://schemas.openxmlformats.org/presentationml/2006/main">
+  <p:tag name="KSO_WM_BEAUTIFY_FLAG" val="#wm#"/>
+  <p:tag name="KSO_WM_TEMPLATE_CATEGORY" val="custom"/>
+  <p:tag name="KSO_WM_TEMPLATE_INDEX" val="20205176"/>
+</p:tagLst>
+</file>
+
+<file path=ppt/tags/tag88.xml><?xml version="1.0" encoding="utf-8"?>
 <p:tagLst xmlns:p="http://schemas.openxmlformats.org/presentationml/2006/main">
   <p:tag name="KSO_WM_BEAUTIFY_FLAG" val="#wm#"/>
   <p:tag name="KSO_WM_TEMPLATE_CATEGORY" val="custom"/>

--- a/akka-classic-cluster.pptx
+++ b/akka-classic-cluster.pptx
@@ -4118,6 +4118,22 @@
               <a:rPr lang="en-US" altLang="zh-CN"/>
               <a:t>Subscribe</a:t>
             </a:r>
+            <a:endParaRPr lang="en-US" altLang="zh-CN"/>
+          </a:p>
+          <a:p>
+            <a:pPr marL="0" lvl="1"/>
+            <a:r>
+              <a:rPr lang="zh-CN" altLang="en-US" sz="1800">
+                <a:sym typeface="+mn-ea"/>
+              </a:rPr>
+              <a:t>WeaklyUp：</a:t>
+            </a:r>
+            <a:r>
+              <a:rPr lang="en-US" altLang="zh-CN" sz="1800">
+                <a:sym typeface="+mn-ea"/>
+              </a:rPr>
+              <a:t>true</a:t>
+            </a:r>
             <a:endParaRPr lang="zh-CN" altLang="en-US"/>
           </a:p>
           <a:p>
@@ -4257,7 +4273,7 @@
             <a:pPr lvl="1"/>
             <a:r>
               <a:rPr lang="en-US" altLang="zh-CN" sz="1800"/>
-              <a:t>Registers: LWWRegister,Flag</a:t>
+              <a:t>Registers: LWWRegister(reverseClock:FWW, defaultClock:LWW), Flag</a:t>
             </a:r>
             <a:endParaRPr lang="en-US" altLang="zh-CN" sz="1800"/>
           </a:p>
@@ -4427,6 +4443,34 @@
             <a:endParaRPr lang="zh-CN" altLang="en-US"/>
           </a:p>
           <a:p>
+            <a:pPr lvl="1"/>
+            <a:r>
+              <a:rPr lang="zh-CN" altLang="en-US"/>
+              <a:t>单点瓶颈</a:t>
+            </a:r>
+            <a:endParaRPr lang="zh-CN" altLang="en-US"/>
+          </a:p>
+          <a:p>
+            <a:pPr lvl="1"/>
+            <a:r>
+              <a:rPr lang="zh-CN" altLang="en-US"/>
+              <a:t>ClusterSingletonManager，ClusterSingletonProxy</a:t>
+            </a:r>
+            <a:endParaRPr lang="zh-CN" altLang="en-US"/>
+          </a:p>
+          <a:p>
+            <a:pPr lvl="1"/>
+            <a:r>
+              <a:rPr lang="zh-CN" altLang="en-US"/>
+              <a:t>WeaklyUp：</a:t>
+            </a:r>
+            <a:r>
+              <a:rPr lang="en-US" altLang="zh-CN"/>
+              <a:t>false</a:t>
+            </a:r>
+            <a:endParaRPr lang="zh-CN" altLang="en-US"/>
+          </a:p>
+          <a:p>
             <a:endParaRPr lang="zh-CN" altLang="en-US"/>
           </a:p>
           <a:p>
@@ -4525,6 +4569,54 @@
               <a:rPr lang="zh-CN" altLang="en-US"/>
               <a:t>功能</a:t>
             </a:r>
+            <a:endParaRPr lang="zh-CN" altLang="en-US"/>
+          </a:p>
+          <a:p>
+            <a:pPr lvl="2"/>
+            <a:r>
+              <a:rPr lang="zh-CN" altLang="en-US"/>
+              <a:t>中介者：DistributedPubSubMediator，管理 Actor 引用的注册表</a:t>
+            </a:r>
+            <a:endParaRPr lang="zh-CN" altLang="en-US"/>
+          </a:p>
+          <a:p>
+            <a:pPr lvl="2"/>
+            <a:r>
+              <a:rPr lang="zh-CN" altLang="en-US"/>
+              <a:t>注册表最终是一致</a:t>
+            </a:r>
+            <a:endParaRPr lang="zh-CN" altLang="en-US"/>
+          </a:p>
+          <a:p>
+            <a:pPr lvl="2"/>
+            <a:r>
+              <a:rPr lang="zh-CN" altLang="en-US"/>
+              <a:t>至多一次传递</a:t>
+            </a:r>
+            <a:r>
+              <a:rPr lang="zh-CN" altLang="en-US"/>
+              <a:t>消息</a:t>
+            </a:r>
+            <a:endParaRPr lang="zh-CN" altLang="en-US"/>
+          </a:p>
+          <a:p>
+            <a:pPr lvl="2"/>
+            <a:r>
+              <a:rPr lang="zh-CN" altLang="en-US">
+                <a:sym typeface="+mn-ea"/>
+              </a:rPr>
+              <a:t>WeaklyUp：</a:t>
+            </a:r>
+            <a:r>
+              <a:rPr lang="en-US" altLang="zh-CN">
+                <a:sym typeface="+mn-ea"/>
+              </a:rPr>
+              <a:t>true</a:t>
+            </a:r>
+            <a:endParaRPr lang="zh-CN" altLang="en-US"/>
+          </a:p>
+          <a:p>
+            <a:pPr lvl="2"/>
             <a:endParaRPr lang="zh-CN" altLang="en-US"/>
           </a:p>
           <a:p>
@@ -5081,9 +5173,17 @@
               <a:rPr lang="zh-CN" altLang="en-US" sz="1800">
                 <a:sym typeface="+mn-ea"/>
               </a:rPr>
-              <a:t>2.6.0）</a:t>
-            </a:r>
-            <a:endParaRPr lang="zh-CN" altLang="en-US" sz="1800"/>
+              <a:t>2.6.0）WeaklyUp：</a:t>
+            </a:r>
+            <a:r>
+              <a:rPr lang="en-US" altLang="zh-CN" sz="1800">
+                <a:sym typeface="+mn-ea"/>
+              </a:rPr>
+              <a:t>false</a:t>
+            </a:r>
+            <a:endParaRPr lang="zh-CN" altLang="en-US" sz="1800">
+              <a:sym typeface="+mn-ea"/>
+            </a:endParaRPr>
           </a:p>
           <a:p>
             <a:r>
